--- a/OS/Notes/2.Operating System Services (2).pptx
+++ b/OS/Notes/2.Operating System Services (2).pptx
@@ -126,6 +126,43 @@
 </p:presentation>
 </file>
 
+<file path=ppt/revisionInfo.xml><?xml version="1.0" encoding="utf-8"?>
+<p1510:revInfo xmlns:a="http://schemas.openxmlformats.org/drawingml/2006/main" xmlns:r="http://schemas.openxmlformats.org/officeDocument/2006/relationships" xmlns:p1510="http://schemas.microsoft.com/office/powerpoint/2015/10/main">
+  <p1510:revLst>
+    <p1510:client id="{F531015F-9C38-A0BE-5BCC-B256F9E546E4}" v="2" dt="2024-02-05T10:13:09.489"/>
+  </p1510:revLst>
+</p1510:revInfo>
+</file>
+
+<file path=ppt/changesInfos/changesInfo1.xml><?xml version="1.0" encoding="utf-8"?>
+<pc:chgInfo xmlns:a="http://schemas.openxmlformats.org/drawingml/2006/main" xmlns:r="http://schemas.openxmlformats.org/officeDocument/2006/relationships" xmlns:ac="http://schemas.microsoft.com/office/drawing/2013/main/command" xmlns:pc="http://schemas.microsoft.com/office/powerpoint/2013/main/command">
+  <pc:docChgLst>
+    <pc:chgData name="Avishek Rauniyar-[AM.EN.U4AIE22062]" userId="S::am.en.u4aie22062@am.students.amrita.edu::c99db90c-4336-409a-9c0c-9da7d2b3d600" providerId="AD" clId="Web-{F531015F-9C38-A0BE-5BCC-B256F9E546E4}"/>
+    <pc:docChg chg="modSld">
+      <pc:chgData name="Avishek Rauniyar-[AM.EN.U4AIE22062]" userId="S::am.en.u4aie22062@am.students.amrita.edu::c99db90c-4336-409a-9c0c-9da7d2b3d600" providerId="AD" clId="Web-{F531015F-9C38-A0BE-5BCC-B256F9E546E4}" dt="2024-02-05T10:13:09.489" v="1"/>
+      <pc:docMkLst>
+        <pc:docMk/>
+      </pc:docMkLst>
+      <pc:sldChg chg="modSp">
+        <pc:chgData name="Avishek Rauniyar-[AM.EN.U4AIE22062]" userId="S::am.en.u4aie22062@am.students.amrita.edu::c99db90c-4336-409a-9c0c-9da7d2b3d600" providerId="AD" clId="Web-{F531015F-9C38-A0BE-5BCC-B256F9E546E4}" dt="2024-02-05T10:13:09.489" v="1"/>
+        <pc:sldMkLst>
+          <pc:docMk/>
+          <pc:sldMk cId="1146261005" sldId="820"/>
+        </pc:sldMkLst>
+        <pc:picChg chg="mod modCrop">
+          <ac:chgData name="Avishek Rauniyar-[AM.EN.U4AIE22062]" userId="S::am.en.u4aie22062@am.students.amrita.edu::c99db90c-4336-409a-9c0c-9da7d2b3d600" providerId="AD" clId="Web-{F531015F-9C38-A0BE-5BCC-B256F9E546E4}" dt="2024-02-05T10:13:09.489" v="1"/>
+          <ac:picMkLst>
+            <pc:docMk/>
+            <pc:sldMk cId="1146261005" sldId="820"/>
+            <ac:picMk id="4" creationId="{9B509D4E-00BE-E921-8279-FF4330DE25A7}"/>
+          </ac:picMkLst>
+        </pc:picChg>
+      </pc:sldChg>
+    </pc:docChg>
+  </pc:docChgLst>
+</pc:chgInfo>
+</file>
+
 <file path=ppt/slideLayouts/slideLayout1.xml><?xml version="1.0" encoding="utf-8"?>
 <p:sldLayout xmlns:a="http://schemas.openxmlformats.org/drawingml/2006/main" xmlns:r="http://schemas.openxmlformats.org/officeDocument/2006/relationships" xmlns:p="http://schemas.openxmlformats.org/presentationml/2006/main" type="title" preserve="1">
   <p:cSld name="Title Slide">
@@ -265,7 +302,7 @@
           <a:p>
             <a:fld id="{2A8A1EF2-A1A6-44EB-ADAE-7FB5D8F88815}" type="datetimeFigureOut">
               <a:rPr lang="en-IN" smtClean="0"/>
-              <a:t>12-03-2023</a:t>
+              <a:t>05-02-2024</a:t>
             </a:fld>
             <a:endParaRPr lang="en-IN"/>
           </a:p>
@@ -476,7 +513,7 @@
           <a:p>
             <a:fld id="{2A8A1EF2-A1A6-44EB-ADAE-7FB5D8F88815}" type="datetimeFigureOut">
               <a:rPr lang="en-IN" smtClean="0"/>
-              <a:t>12-03-2023</a:t>
+              <a:t>05-02-2024</a:t>
             </a:fld>
             <a:endParaRPr lang="en-IN"/>
           </a:p>
@@ -691,7 +728,7 @@
           <a:p>
             <a:fld id="{2A8A1EF2-A1A6-44EB-ADAE-7FB5D8F88815}" type="datetimeFigureOut">
               <a:rPr lang="en-IN" smtClean="0"/>
-              <a:t>12-03-2023</a:t>
+              <a:t>05-02-2024</a:t>
             </a:fld>
             <a:endParaRPr lang="en-IN"/>
           </a:p>
@@ -892,7 +929,7 @@
           <a:p>
             <a:fld id="{2A8A1EF2-A1A6-44EB-ADAE-7FB5D8F88815}" type="datetimeFigureOut">
               <a:rPr lang="en-IN" smtClean="0"/>
-              <a:t>12-03-2023</a:t>
+              <a:t>05-02-2024</a:t>
             </a:fld>
             <a:endParaRPr lang="en-IN"/>
           </a:p>
@@ -1171,7 +1208,7 @@
           <a:p>
             <a:fld id="{2A8A1EF2-A1A6-44EB-ADAE-7FB5D8F88815}" type="datetimeFigureOut">
               <a:rPr lang="en-IN" smtClean="0"/>
-              <a:t>12-03-2023</a:t>
+              <a:t>05-02-2024</a:t>
             </a:fld>
             <a:endParaRPr lang="en-IN"/>
           </a:p>
@@ -1439,7 +1476,7 @@
           <a:p>
             <a:fld id="{2A8A1EF2-A1A6-44EB-ADAE-7FB5D8F88815}" type="datetimeFigureOut">
               <a:rPr lang="en-IN" smtClean="0"/>
-              <a:t>12-03-2023</a:t>
+              <a:t>05-02-2024</a:t>
             </a:fld>
             <a:endParaRPr lang="en-IN"/>
           </a:p>
@@ -1855,7 +1892,7 @@
           <a:p>
             <a:fld id="{2A8A1EF2-A1A6-44EB-ADAE-7FB5D8F88815}" type="datetimeFigureOut">
               <a:rPr lang="en-IN" smtClean="0"/>
-              <a:t>12-03-2023</a:t>
+              <a:t>05-02-2024</a:t>
             </a:fld>
             <a:endParaRPr lang="en-IN"/>
           </a:p>
@@ -2004,7 +2041,7 @@
           <a:p>
             <a:fld id="{2A8A1EF2-A1A6-44EB-ADAE-7FB5D8F88815}" type="datetimeFigureOut">
               <a:rPr lang="en-IN" smtClean="0"/>
-              <a:t>12-03-2023</a:t>
+              <a:t>05-02-2024</a:t>
             </a:fld>
             <a:endParaRPr lang="en-IN"/>
           </a:p>
@@ -2130,7 +2167,7 @@
           <a:p>
             <a:fld id="{2A8A1EF2-A1A6-44EB-ADAE-7FB5D8F88815}" type="datetimeFigureOut">
               <a:rPr lang="en-IN" smtClean="0"/>
-              <a:t>12-03-2023</a:t>
+              <a:t>05-02-2024</a:t>
             </a:fld>
             <a:endParaRPr lang="en-IN"/>
           </a:p>
@@ -2381,7 +2418,7 @@
           <a:p>
             <a:fld id="{2A8A1EF2-A1A6-44EB-ADAE-7FB5D8F88815}" type="datetimeFigureOut">
               <a:rPr lang="en-IN" smtClean="0"/>
-              <a:t>12-03-2023</a:t>
+              <a:t>05-02-2024</a:t>
             </a:fld>
             <a:endParaRPr lang="en-IN"/>
           </a:p>
@@ -2826,7 +2863,7 @@
           <a:p>
             <a:fld id="{2A8A1EF2-A1A6-44EB-ADAE-7FB5D8F88815}" type="datetimeFigureOut">
               <a:rPr lang="en-IN" smtClean="0"/>
-              <a:t>12-03-2023</a:t>
+              <a:t>05-02-2024</a:t>
             </a:fld>
             <a:endParaRPr lang="en-IN"/>
           </a:p>
@@ -3153,7 +3190,7 @@
           <a:p>
             <a:fld id="{2A8A1EF2-A1A6-44EB-ADAE-7FB5D8F88815}" type="datetimeFigureOut">
               <a:rPr lang="en-IN" smtClean="0"/>
-              <a:t>12-03-2023</a:t>
+              <a:t>05-02-2024</a:t>
             </a:fld>
             <a:endParaRPr lang="en-IN"/>
           </a:p>
@@ -4744,7 +4781,7 @@
             <p:ph idx="1"/>
           </p:nvPr>
         </p:nvPicPr>
-        <p:blipFill>
+        <p:blipFill rotWithShape="1">
           <a:blip r:embed="rId2">
             <a:extLst>
               <a:ext uri="{28A0092B-C50C-407E-A947-70E740481C1C}">
@@ -4752,15 +4789,13 @@
               </a:ext>
             </a:extLst>
           </a:blip>
-          <a:srcRect/>
-          <a:stretch>
-            <a:fillRect/>
-          </a:stretch>
+          <a:srcRect t="438" r="128" b="-438"/>
+          <a:stretch/>
         </p:blipFill>
         <p:spPr bwMode="auto">
           <a:xfrm>
             <a:off x="2864499" y="1950098"/>
-            <a:ext cx="7053942" cy="4142791"/>
+            <a:ext cx="7044878" cy="4142796"/>
           </a:xfrm>
           <a:prstGeom prst="rect">
             <a:avLst/>
